--- a/Capstone1/Evelyn_Ding_PSW_GuidedCapstone1.pptx
+++ b/Capstone1/Evelyn_Ding_PSW_GuidedCapstone1.pptx
@@ -257,7 +257,7 @@
       </p15:sldGuideLst>
     </p:ext>
     <p:ext uri="http://customooxmlschemas.google.com/">
-      <go:slidesCustomData xmlns="" xmlns:mc="http://schemas.openxmlformats.org/markup-compatibility/2006" xmlns:mv="urn:schemas-microsoft-com:mac:vml" xmlns:c="http://schemas.openxmlformats.org/drawingml/2006/chart" xmlns:dgm="http://schemas.openxmlformats.org/drawingml/2006/diagram" xmlns:o="urn:schemas-microsoft-com:office:office" xmlns:v="urn:schemas-microsoft-com:vml" xmlns:pvml="urn:schemas-microsoft-com:office:powerpoint" xmlns:com="http://schemas.openxmlformats.org/drawingml/2006/compatibility" xmlns:p14="http://schemas.microsoft.com/office/powerpoint/2010/main" xmlns:p15="http://schemas.microsoft.com/office/powerpoint/2012/main" xmlns:go="http://customooxmlschemas.google.com/" r:id="rId7" roundtripDataSignature="AMtx7mjdo7FECp685JsX7/4pIVeoAktjNA=="/>
+      <go:slidesCustomData xmlns:go="http://customooxmlschemas.google.com/" xmlns:p15="http://schemas.microsoft.com/office/powerpoint/2012/main" xmlns:p14="http://schemas.microsoft.com/office/powerpoint/2010/main" xmlns:com="http://schemas.openxmlformats.org/drawingml/2006/compatibility" xmlns:pvml="urn:schemas-microsoft-com:office:powerpoint" xmlns:v="urn:schemas-microsoft-com:vml" xmlns:o="urn:schemas-microsoft-com:office:office" xmlns:dgm="http://schemas.openxmlformats.org/drawingml/2006/diagram" xmlns:c="http://schemas.openxmlformats.org/drawingml/2006/chart" xmlns:mv="urn:schemas-microsoft-com:mac:vml" xmlns:mc="http://schemas.openxmlformats.org/markup-compatibility/2006" xmlns="" r:id="rId7" roundtripDataSignature="AMtx7mjdo7FECp685JsX7/4pIVeoAktjNA=="/>
     </p:ext>
   </p:extLst>
 </p:presentation>
@@ -4725,10 +4725,10 @@
           <a:p>
             <a:pPr algn="just"/>
             <a:r>
-              <a:rPr lang="en-US" sz="1000" b="1" dirty="0"/>
-              <a:t>Three disadvantages of weighted scoring stock selection models. 1st, they cannot identify the relations between weights of stock-picking concepts and performances of portfolios. 2nd, they cannot systematically discover the optimal combination for weights of concepts to optimize the performances. 3rd, they are unable to meet various investors preferences. This study aims to more efficiently construct weighted scoring stock selection models to overcome these disadvantages. </a:t>
+              <a:rPr lang="en-US" sz="1100" b="1" dirty="0"/>
+              <a:t>Big Mountain Resort located in Montana. Every year about 350,000 people ski or snowboard at Big Mountain. Big Mountain Resort has recently installed an additional chair lift to help increase the distribution of visitors across the mountain. The management need to determine of ticket price from this additional cost $1,540,000 by either cut cost while keeping ticket price or increase ticket price. </a:t>
             </a:r>
-            <a:endParaRPr sz="1000" b="1" dirty="0"/>
+            <a:endParaRPr sz="1100" b="1" dirty="0"/>
           </a:p>
         </p:txBody>
       </p:sp>
@@ -4759,13 +4759,6 @@
           <a:p>
             <a:pPr lvl="0" algn="just"/>
             <a:r>
-              <a:rPr lang="en-US" sz="1071" b="1" dirty="0"/>
-              <a:t>After analysis, to identify how the 6 different concepts impact 6 different performance indicators. </a:t>
-            </a:r>
-          </a:p>
-          <a:p>
-            <a:pPr algn="just"/>
-            <a:r>
               <a:rPr lang="en-US" sz="1071" b="1" i="0" u="none" strike="noStrike" cap="none" dirty="0">
                 <a:solidFill>
                   <a:srgbClr val="000000"/>
@@ -4775,26 +4768,12 @@
                 <a:cs typeface="Arial"/>
                 <a:sym typeface="Arial"/>
               </a:rPr>
-              <a:t>6 stock selection concepts </a:t>
+              <a:t>To evaluate how much to increase the ticket price based on additional number of chairs available towards to partial of total investment </a:t>
             </a:r>
             <a:r>
-              <a:rPr lang="en-US" sz="1050" b="1" dirty="0"/>
-              <a:t>(</a:t>
+              <a:rPr lang="en-US" sz="1100" b="1" dirty="0"/>
+              <a:t>$1,540,000 and cut cost for the remaining amount.</a:t>
             </a:r>
-            <a:r>
-              <a:rPr lang="en-US" sz="1071" b="1" dirty="0"/>
-              <a:t>Large B/P concept, Large ROE concept, Large S/P concept, Large Return Rate in the last quarter concept, Large Market Value concept, Small systematic Risk concept) </a:t>
-            </a:r>
-          </a:p>
-          <a:p>
-            <a:pPr algn="just"/>
-            <a:r>
-              <a:rPr lang="en-US" sz="1071" b="1" dirty="0"/>
-              <a:t>6 stock performance indicators (Annual Return, Excess Return, Systematic Risk, Total Risk, Abs. Win Rate, Rel. Win Rate) </a:t>
-            </a:r>
-          </a:p>
-          <a:p>
-            <a:pPr lvl="0"/>
             <a:endParaRPr sz="1071" b="1" i="0" u="none" strike="noStrike" cap="none" dirty="0">
               <a:solidFill>
                 <a:srgbClr val="000000"/>
@@ -4835,7 +4814,7 @@
             <a:pPr algn="just"/>
             <a:r>
               <a:rPr lang="en-US" sz="1071" b="1" dirty="0"/>
-              <a:t>These sets of weights are simulated with US stock market historical data to obtain their performances from 1990 ~ 2010 (20 years).</a:t>
+              <a:t>Analyzing the key information. E.g. number of chairlift, Adult weekday/weekday ticket price and other existing advantage of Big Mountain Resort comparing with competitors. </a:t>
             </a:r>
           </a:p>
         </p:txBody>
@@ -4887,8 +4866,22 @@
                 <a:cs typeface="Arial"/>
                 <a:sym typeface="Arial"/>
               </a:rPr>
-              <a:t>N/A</a:t>
+              <a:t>Ticket price cannot be higher than most of competitors. </a:t>
             </a:r>
+          </a:p>
+          <a:p>
+            <a:pPr marL="0" marR="0" lvl="0" indent="0" algn="l" rtl="0">
+              <a:lnSpc>
+                <a:spcPct val="100000"/>
+              </a:lnSpc>
+              <a:spcBef>
+                <a:spcPts val="0"/>
+              </a:spcBef>
+              <a:spcAft>
+                <a:spcPts val="0"/>
+              </a:spcAft>
+              <a:buNone/>
+            </a:pPr>
             <a:endParaRPr sz="1070" b="1" i="0" u="none" strike="noStrike" cap="none" dirty="0">
               <a:solidFill>
                 <a:srgbClr val="000000"/>
@@ -4939,40 +4932,8 @@
               <a:buNone/>
             </a:pPr>
             <a:r>
-              <a:rPr lang="en-AU" sz="1070" b="1" i="0" u="none" strike="noStrike" cap="none" dirty="0">
-                <a:solidFill>
-                  <a:srgbClr val="000000"/>
-                </a:solidFill>
-                <a:latin typeface="Arial"/>
-                <a:ea typeface="Arial"/>
-                <a:cs typeface="Arial"/>
-                <a:sym typeface="Arial"/>
-              </a:rPr>
-              <a:t>Stock 6 Main Selection Concepts</a:t>
-            </a:r>
-          </a:p>
-          <a:p>
-            <a:r>
               <a:rPr lang="en-AU" sz="1070" b="1" dirty="0"/>
-              <a:t>Stock 6 Performance Indicators</a:t>
-            </a:r>
-          </a:p>
-          <a:p>
-            <a:pPr marL="0" marR="0" lvl="0" indent="0" algn="l" rtl="0">
-              <a:lnSpc>
-                <a:spcPct val="100000"/>
-              </a:lnSpc>
-              <a:spcBef>
-                <a:spcPts val="0"/>
-              </a:spcBef>
-              <a:spcAft>
-                <a:spcPts val="0"/>
-              </a:spcAft>
-              <a:buNone/>
-            </a:pPr>
-            <a:r>
-              <a:rPr lang="en-AU" sz="1070" b="1" dirty="0"/>
-              <a:t>Stock Visualisation</a:t>
+              <a:t>Ski_Resort_Data.CSV</a:t>
             </a:r>
             <a:endParaRPr sz="1070" b="1" i="0" u="none" strike="noStrike" cap="none" dirty="0">
               <a:solidFill>
@@ -5543,7 +5504,7 @@
         </p:nvSpPr>
         <p:spPr>
           <a:xfrm>
-            <a:off x="4607126" y="3547600"/>
+            <a:off x="4612351" y="3547600"/>
             <a:ext cx="4324418" cy="1081065"/>
           </a:xfrm>
           <a:prstGeom prst="rect">
@@ -5560,29 +5521,10 @@
           </a:bodyPr>
           <a:lstStyle/>
           <a:p>
-            <a:pPr marL="0" marR="0" lvl="0" indent="0" algn="l" rtl="0">
-              <a:lnSpc>
-                <a:spcPct val="100000"/>
-              </a:lnSpc>
-              <a:spcBef>
-                <a:spcPts val="0"/>
-              </a:spcBef>
-              <a:spcAft>
-                <a:spcPts val="0"/>
-              </a:spcAft>
-              <a:buNone/>
-            </a:pPr>
+            <a:pPr lvl="0"/>
             <a:r>
-              <a:rPr lang="en-AU" sz="1071" b="0" i="0" u="none" strike="noStrike" cap="none" dirty="0">
-                <a:solidFill>
-                  <a:srgbClr val="000000"/>
-                </a:solidFill>
-                <a:latin typeface="Arial"/>
-                <a:ea typeface="Arial"/>
-                <a:cs typeface="Arial"/>
-                <a:sym typeface="Arial"/>
-              </a:rPr>
-              <a:t>Finance Department</a:t>
+              <a:rPr lang="en-US" dirty="0"/>
+              <a:t>Director of Operations, Jimmy Blackburn, and Database Manager, Alesha Eisen.</a:t>
             </a:r>
             <a:endParaRPr sz="1400" b="0" i="0" u="none" strike="noStrike" cap="none" dirty="0">
               <a:solidFill>
@@ -5626,23 +5568,7 @@
             </a:pPr>
             <a:r>
               <a:rPr lang="en-US" b="1" dirty="0"/>
-              <a:t>To systematically discover the optimal combination for weights of concepts to optimize the stock portfolio performances</a:t>
-            </a:r>
-            <a:r>
-              <a:rPr lang="en-AU" b="1" dirty="0"/>
-              <a:t>, </a:t>
-            </a:r>
-            <a:r>
-              <a:rPr lang="en-US" b="1" dirty="0"/>
-              <a:t>this study aims to analyze a more </a:t>
-            </a:r>
-            <a:r>
-              <a:rPr lang="en-US" b="1"/>
-              <a:t>efficiently weighted </a:t>
-            </a:r>
-            <a:r>
-              <a:rPr lang="en-US" b="1" dirty="0"/>
-              <a:t>scoring stock selection model to improve the relations between weights of stock-picking concepts and performances of portfolios as well as to meet various investors preferences. </a:t>
+              <a:t>Big Mountain Resort would like select a better value for their ticket price from an additional chair lift investment of $1,540,000 this season. They need to make decision either to cut costs without undermining the ticket price or to support an even higher ticket price. </a:t>
             </a:r>
             <a:endParaRPr b="1" dirty="0"/>
           </a:p>
